--- a/Schema.pptx
+++ b/Schema.pptx
@@ -111,6 +111,35 @@
     </p:ext>
   </p:extLst>
 </p:presentation>
+</file>
+
+<file path=ppt/changesInfos/changesInfo1.xml><?xml version="1.0" encoding="utf-8"?>
+<pc:chgInfo xmlns:a="http://schemas.openxmlformats.org/drawingml/2006/main" xmlns:r="http://schemas.openxmlformats.org/officeDocument/2006/relationships" xmlns:ac="http://schemas.microsoft.com/office/drawing/2013/main/command" xmlns:pc="http://schemas.microsoft.com/office/powerpoint/2013/main/command">
+  <pc:docChgLst>
+    <pc:chgData name="Antonio Cisternino" userId="ae5ff991-ed40-45cd-a3cc-046f9cb98081" providerId="ADAL" clId="{6FE36FCD-D04E-43A6-AA55-E1448BB1EDA6}"/>
+    <pc:docChg chg="modSld">
+      <pc:chgData name="Antonio Cisternino" userId="ae5ff991-ed40-45cd-a3cc-046f9cb98081" providerId="ADAL" clId="{6FE36FCD-D04E-43A6-AA55-E1448BB1EDA6}" dt="2021-06-07T19:46:53.677" v="9" actId="20577"/>
+      <pc:docMkLst>
+        <pc:docMk/>
+      </pc:docMkLst>
+      <pc:sldChg chg="modSp mod">
+        <pc:chgData name="Antonio Cisternino" userId="ae5ff991-ed40-45cd-a3cc-046f9cb98081" providerId="ADAL" clId="{6FE36FCD-D04E-43A6-AA55-E1448BB1EDA6}" dt="2021-06-07T19:46:53.677" v="9" actId="20577"/>
+        <pc:sldMkLst>
+          <pc:docMk/>
+          <pc:sldMk cId="1067257487" sldId="258"/>
+        </pc:sldMkLst>
+        <pc:spChg chg="mod">
+          <ac:chgData name="Antonio Cisternino" userId="ae5ff991-ed40-45cd-a3cc-046f9cb98081" providerId="ADAL" clId="{6FE36FCD-D04E-43A6-AA55-E1448BB1EDA6}" dt="2021-06-07T19:46:53.677" v="9" actId="20577"/>
+          <ac:spMkLst>
+            <pc:docMk/>
+            <pc:sldMk cId="1067257487" sldId="258"/>
+            <ac:spMk id="4" creationId="{36AC8173-C15B-4F9D-BF10-5149FD8D6072}"/>
+          </ac:spMkLst>
+        </pc:spChg>
+      </pc:sldChg>
+    </pc:docChg>
+  </pc:docChgLst>
+</pc:chgInfo>
 </file>
 
 <file path=ppt/diagrams/colors1.xml><?xml version="1.0" encoding="utf-8"?>
@@ -4002,7 +4031,7 @@
           <a:p>
             <a:fld id="{47CD793F-8AF7-4ED4-A89B-61A142DC6966}" type="datetimeFigureOut">
               <a:rPr lang="it-IT" smtClean="0"/>
-              <a:t>03/09/2020</a:t>
+              <a:t>07/06/2021</a:t>
             </a:fld>
             <a:endParaRPr lang="it-IT"/>
           </a:p>
@@ -4276,7 +4305,7 @@
           <a:p>
             <a:fld id="{47CD793F-8AF7-4ED4-A89B-61A142DC6966}" type="datetimeFigureOut">
               <a:rPr lang="it-IT" smtClean="0"/>
-              <a:t>03/09/2020</a:t>
+              <a:t>07/06/2021</a:t>
             </a:fld>
             <a:endParaRPr lang="it-IT"/>
           </a:p>
@@ -4540,7 +4569,7 @@
           <a:p>
             <a:fld id="{47CD793F-8AF7-4ED4-A89B-61A142DC6966}" type="datetimeFigureOut">
               <a:rPr lang="it-IT" smtClean="0"/>
-              <a:t>03/09/2020</a:t>
+              <a:t>07/06/2021</a:t>
             </a:fld>
             <a:endParaRPr lang="it-IT"/>
           </a:p>
@@ -5137,7 +5166,7 @@
           <a:p>
             <a:fld id="{47CD793F-8AF7-4ED4-A89B-61A142DC6966}" type="datetimeFigureOut">
               <a:rPr lang="it-IT" smtClean="0"/>
-              <a:t>03/09/2020</a:t>
+              <a:t>07/06/2021</a:t>
             </a:fld>
             <a:endParaRPr lang="it-IT"/>
           </a:p>
@@ -5652,7 +5681,7 @@
           <a:p>
             <a:fld id="{47CD793F-8AF7-4ED4-A89B-61A142DC6966}" type="datetimeFigureOut">
               <a:rPr lang="it-IT" smtClean="0"/>
-              <a:t>03/09/2020</a:t>
+              <a:t>07/06/2021</a:t>
             </a:fld>
             <a:endParaRPr lang="it-IT"/>
           </a:p>
@@ -5865,7 +5894,7 @@
           <a:p>
             <a:fld id="{47CD793F-8AF7-4ED4-A89B-61A142DC6966}" type="datetimeFigureOut">
               <a:rPr lang="it-IT" smtClean="0"/>
-              <a:t>03/09/2020</a:t>
+              <a:t>07/06/2021</a:t>
             </a:fld>
             <a:endParaRPr lang="it-IT"/>
           </a:p>
@@ -6056,7 +6085,7 @@
           <a:p>
             <a:fld id="{47CD793F-8AF7-4ED4-A89B-61A142DC6966}" type="datetimeFigureOut">
               <a:rPr lang="it-IT" smtClean="0"/>
-              <a:t>03/09/2020</a:t>
+              <a:t>07/06/2021</a:t>
             </a:fld>
             <a:endParaRPr lang="it-IT"/>
           </a:p>
@@ -6427,7 +6456,7 @@
           <a:p>
             <a:fld id="{47CD793F-8AF7-4ED4-A89B-61A142DC6966}" type="datetimeFigureOut">
               <a:rPr lang="it-IT" smtClean="0"/>
-              <a:t>03/09/2020</a:t>
+              <a:t>07/06/2021</a:t>
             </a:fld>
             <a:endParaRPr lang="it-IT"/>
           </a:p>
@@ -6778,7 +6807,7 @@
           <a:p>
             <a:fld id="{47CD793F-8AF7-4ED4-A89B-61A142DC6966}" type="datetimeFigureOut">
               <a:rPr lang="it-IT" smtClean="0"/>
-              <a:t>03/09/2020</a:t>
+              <a:t>07/06/2021</a:t>
             </a:fld>
             <a:endParaRPr lang="it-IT"/>
           </a:p>
@@ -7610,8 +7639,12 @@
           <a:lstStyle/>
           <a:p>
             <a:r>
+              <a:rPr lang="it-IT" dirty="0" err="1"/>
+              <a:t>Eligere</a:t>
+            </a:r>
+            <a:r>
               <a:rPr lang="it-IT" dirty="0"/>
-              <a:t>Il sistema per il «voto digitale»</a:t>
+              <a:t>: il sistema per il «voto digitale»</a:t>
             </a:r>
           </a:p>
         </p:txBody>
@@ -11747,6 +11780,66 @@
 </file>
 
 <file path=customXml/item1.xml><?xml version="1.0" encoding="utf-8"?>
+<p:properties xmlns:p="http://schemas.microsoft.com/office/2006/metadata/properties" xmlns:xsi="http://www.w3.org/2001/XMLSchema-instance" xmlns:pc="http://schemas.microsoft.com/office/infopath/2007/PartnerControls">
+  <documentManagement>
+    <NotebookType xmlns="eee456f4-f467-4261-8e1d-0b52910fccb4" xsi:nil="true"/>
+    <Templates xmlns="eee456f4-f467-4261-8e1d-0b52910fccb4" xsi:nil="true"/>
+    <Has_Teacher_Only_SectionGroup xmlns="eee456f4-f467-4261-8e1d-0b52910fccb4" xsi:nil="true"/>
+    <Is_Collaboration_Space_Locked xmlns="eee456f4-f467-4261-8e1d-0b52910fccb4" xsi:nil="true"/>
+    <IsNotebookLocked xmlns="eee456f4-f467-4261-8e1d-0b52910fccb4" xsi:nil="true"/>
+    <FolderType xmlns="eee456f4-f467-4261-8e1d-0b52910fccb4" xsi:nil="true"/>
+    <Distribution_Groups xmlns="eee456f4-f467-4261-8e1d-0b52910fccb4" xsi:nil="true"/>
+    <Self_Registration_Enabled xmlns="eee456f4-f467-4261-8e1d-0b52910fccb4" xsi:nil="true"/>
+    <Invited_Students xmlns="eee456f4-f467-4261-8e1d-0b52910fccb4" xsi:nil="true"/>
+    <LMS_Mappings xmlns="eee456f4-f467-4261-8e1d-0b52910fccb4" xsi:nil="true"/>
+    <CultureName xmlns="eee456f4-f467-4261-8e1d-0b52910fccb4" xsi:nil="true"/>
+    <Students xmlns="eee456f4-f467-4261-8e1d-0b52910fccb4">
+      <UserInfo>
+        <DisplayName/>
+        <AccountId xsi:nil="true"/>
+        <AccountType/>
+      </UserInfo>
+    </Students>
+    <DefaultSectionNames xmlns="eee456f4-f467-4261-8e1d-0b52910fccb4" xsi:nil="true"/>
+    <TeamsChannelId xmlns="eee456f4-f467-4261-8e1d-0b52910fccb4" xsi:nil="true"/>
+    <Teachers xmlns="eee456f4-f467-4261-8e1d-0b52910fccb4">
+      <UserInfo>
+        <DisplayName/>
+        <AccountId xsi:nil="true"/>
+        <AccountType/>
+      </UserInfo>
+    </Teachers>
+    <AppVersion xmlns="eee456f4-f467-4261-8e1d-0b52910fccb4" xsi:nil="true"/>
+    <Invited_Teachers xmlns="eee456f4-f467-4261-8e1d-0b52910fccb4" xsi:nil="true"/>
+    <Owner xmlns="eee456f4-f467-4261-8e1d-0b52910fccb4">
+      <UserInfo>
+        <DisplayName/>
+        <AccountId xsi:nil="true"/>
+        <AccountType/>
+      </UserInfo>
+    </Owner>
+    <Student_Groups xmlns="eee456f4-f467-4261-8e1d-0b52910fccb4">
+      <UserInfo>
+        <DisplayName/>
+        <AccountId xsi:nil="true"/>
+        <AccountType/>
+      </UserInfo>
+    </Student_Groups>
+    <Math_Settings xmlns="eee456f4-f467-4261-8e1d-0b52910fccb4" xsi:nil="true"/>
+  </documentManagement>
+</p:properties>
+</file>
+
+<file path=customXml/item2.xml><?xml version="1.0" encoding="utf-8"?>
+<?mso-contentType ?>
+<FormTemplates xmlns="http://schemas.microsoft.com/sharepoint/v3/contenttype/forms">
+  <Display>DocumentLibraryForm</Display>
+  <Edit>DocumentLibraryForm</Edit>
+  <New>DocumentLibraryForm</New>
+</FormTemplates>
+</file>
+
+<file path=customXml/item3.xml><?xml version="1.0" encoding="utf-8"?>
 <ct:contentTypeSchema xmlns:ct="http://schemas.microsoft.com/office/2006/metadata/contentType" xmlns:ma="http://schemas.microsoft.com/office/2006/metadata/properties/metaAttributes" ct:_="" ma:_="" ma:contentTypeName="Document" ma:contentTypeID="0x0101008EC33969EA741A4C81A96A80C98F4B73" ma:contentTypeVersion="33" ma:contentTypeDescription="Create a new document." ma:contentTypeScope="" ma:versionID="9e6aa09a7313c46ac0e0ec309adfd1ce">
   <xsd:schema xmlns:xsd="http://www.w3.org/2001/XMLSchema" xmlns:xs="http://www.w3.org/2001/XMLSchema" xmlns:p="http://schemas.microsoft.com/office/2006/metadata/properties" xmlns:ns3="ad4a023d-4f82-4008-bf36-4fc370cd1b84" xmlns:ns4="eee456f4-f467-4261-8e1d-0b52910fccb4" targetNamespace="http://schemas.microsoft.com/office/2006/metadata/properties" ma:root="true" ma:fieldsID="f0c0f50bf8f6648f0dfd87e5209cf796" ns3:_="" ns4:_="">
     <xsd:import namespace="ad4a023d-4f82-4008-bf36-4fc370cd1b84"/>
@@ -12157,67 +12250,25 @@
 </ct:contentTypeSchema>
 </file>
 
-<file path=customXml/item2.xml><?xml version="1.0" encoding="utf-8"?>
-<?mso-contentType ?>
-<FormTemplates xmlns="http://schemas.microsoft.com/sharepoint/v3/contenttype/forms">
-  <Display>DocumentLibraryForm</Display>
-  <Edit>DocumentLibraryForm</Edit>
-  <New>DocumentLibraryForm</New>
-</FormTemplates>
+<file path=customXml/itemProps1.xml><?xml version="1.0" encoding="utf-8"?>
+<ds:datastoreItem xmlns:ds="http://schemas.openxmlformats.org/officeDocument/2006/customXml" ds:itemID="{F3FCB4AE-522D-44B1-8D63-6683158E80E8}">
+  <ds:schemaRefs>
+    <ds:schemaRef ds:uri="http://schemas.microsoft.com/office/2006/metadata/properties"/>
+    <ds:schemaRef ds:uri="http://schemas.microsoft.com/office/infopath/2007/PartnerControls"/>
+    <ds:schemaRef ds:uri="eee456f4-f467-4261-8e1d-0b52910fccb4"/>
+  </ds:schemaRefs>
+</ds:datastoreItem>
 </file>
 
-<file path=customXml/item3.xml><?xml version="1.0" encoding="utf-8"?>
-<p:properties xmlns:p="http://schemas.microsoft.com/office/2006/metadata/properties" xmlns:xsi="http://www.w3.org/2001/XMLSchema-instance" xmlns:pc="http://schemas.microsoft.com/office/infopath/2007/PartnerControls">
-  <documentManagement>
-    <NotebookType xmlns="eee456f4-f467-4261-8e1d-0b52910fccb4" xsi:nil="true"/>
-    <Templates xmlns="eee456f4-f467-4261-8e1d-0b52910fccb4" xsi:nil="true"/>
-    <Has_Teacher_Only_SectionGroup xmlns="eee456f4-f467-4261-8e1d-0b52910fccb4" xsi:nil="true"/>
-    <Is_Collaboration_Space_Locked xmlns="eee456f4-f467-4261-8e1d-0b52910fccb4" xsi:nil="true"/>
-    <IsNotebookLocked xmlns="eee456f4-f467-4261-8e1d-0b52910fccb4" xsi:nil="true"/>
-    <FolderType xmlns="eee456f4-f467-4261-8e1d-0b52910fccb4" xsi:nil="true"/>
-    <Distribution_Groups xmlns="eee456f4-f467-4261-8e1d-0b52910fccb4" xsi:nil="true"/>
-    <Self_Registration_Enabled xmlns="eee456f4-f467-4261-8e1d-0b52910fccb4" xsi:nil="true"/>
-    <Invited_Students xmlns="eee456f4-f467-4261-8e1d-0b52910fccb4" xsi:nil="true"/>
-    <LMS_Mappings xmlns="eee456f4-f467-4261-8e1d-0b52910fccb4" xsi:nil="true"/>
-    <CultureName xmlns="eee456f4-f467-4261-8e1d-0b52910fccb4" xsi:nil="true"/>
-    <Students xmlns="eee456f4-f467-4261-8e1d-0b52910fccb4">
-      <UserInfo>
-        <DisplayName/>
-        <AccountId xsi:nil="true"/>
-        <AccountType/>
-      </UserInfo>
-    </Students>
-    <DefaultSectionNames xmlns="eee456f4-f467-4261-8e1d-0b52910fccb4" xsi:nil="true"/>
-    <TeamsChannelId xmlns="eee456f4-f467-4261-8e1d-0b52910fccb4" xsi:nil="true"/>
-    <Teachers xmlns="eee456f4-f467-4261-8e1d-0b52910fccb4">
-      <UserInfo>
-        <DisplayName/>
-        <AccountId xsi:nil="true"/>
-        <AccountType/>
-      </UserInfo>
-    </Teachers>
-    <AppVersion xmlns="eee456f4-f467-4261-8e1d-0b52910fccb4" xsi:nil="true"/>
-    <Invited_Teachers xmlns="eee456f4-f467-4261-8e1d-0b52910fccb4" xsi:nil="true"/>
-    <Owner xmlns="eee456f4-f467-4261-8e1d-0b52910fccb4">
-      <UserInfo>
-        <DisplayName/>
-        <AccountId xsi:nil="true"/>
-        <AccountType/>
-      </UserInfo>
-    </Owner>
-    <Student_Groups xmlns="eee456f4-f467-4261-8e1d-0b52910fccb4">
-      <UserInfo>
-        <DisplayName/>
-        <AccountId xsi:nil="true"/>
-        <AccountType/>
-      </UserInfo>
-    </Student_Groups>
-    <Math_Settings xmlns="eee456f4-f467-4261-8e1d-0b52910fccb4" xsi:nil="true"/>
-  </documentManagement>
-</p:properties>
+<file path=customXml/itemProps2.xml><?xml version="1.0" encoding="utf-8"?>
+<ds:datastoreItem xmlns:ds="http://schemas.openxmlformats.org/officeDocument/2006/customXml" ds:itemID="{20C307AD-3B0A-4A7D-9519-2918460B17B9}">
+  <ds:schemaRefs>
+    <ds:schemaRef ds:uri="http://schemas.microsoft.com/sharepoint/v3/contenttype/forms"/>
+  </ds:schemaRefs>
+</ds:datastoreItem>
 </file>
 
-<file path=customXml/itemProps1.xml><?xml version="1.0" encoding="utf-8"?>
+<file path=customXml/itemProps3.xml><?xml version="1.0" encoding="utf-8"?>
 <ds:datastoreItem xmlns:ds="http://schemas.openxmlformats.org/officeDocument/2006/customXml" ds:itemID="{7B0445A3-539F-47A6-8370-8080651F5235}">
   <ds:schemaRefs>
     <ds:schemaRef ds:uri="http://schemas.microsoft.com/office/2006/metadata/contentType"/>
@@ -12234,22 +12285,4 @@
     <ds:schemaRef ds:uri="http://schemas.microsoft.com/internal/obd"/>
   </ds:schemaRefs>
 </ds:datastoreItem>
-</file>
-
-<file path=customXml/itemProps2.xml><?xml version="1.0" encoding="utf-8"?>
-<ds:datastoreItem xmlns:ds="http://schemas.openxmlformats.org/officeDocument/2006/customXml" ds:itemID="{20C307AD-3B0A-4A7D-9519-2918460B17B9}">
-  <ds:schemaRefs>
-    <ds:schemaRef ds:uri="http://schemas.microsoft.com/sharepoint/v3/contenttype/forms"/>
-  </ds:schemaRefs>
-</ds:datastoreItem>
-</file>
-
-<file path=customXml/itemProps3.xml><?xml version="1.0" encoding="utf-8"?>
-<ds:datastoreItem xmlns:ds="http://schemas.openxmlformats.org/officeDocument/2006/customXml" ds:itemID="{F3FCB4AE-522D-44B1-8D63-6683158E80E8}">
-  <ds:schemaRefs>
-    <ds:schemaRef ds:uri="http://schemas.microsoft.com/office/2006/metadata/properties"/>
-    <ds:schemaRef ds:uri="http://schemas.microsoft.com/office/infopath/2007/PartnerControls"/>
-    <ds:schemaRef ds:uri="eee456f4-f467-4261-8e1d-0b52910fccb4"/>
-  </ds:schemaRefs>
-</ds:datastoreItem>
 </file>